--- a/document/push串讲.pptx
+++ b/document/push串讲.pptx
@@ -3892,7 +3892,7 @@
         </p:nvSpPr>
         <p:spPr>
           <a:xfrm>
-            <a:off x="4773529" y="1672503"/>
+            <a:off x="4760829" y="1672503"/>
             <a:ext cx="5864882" cy="921192"/>
           </a:xfrm>
           <a:prstGeom prst="rect">
@@ -3958,12 +3958,12 @@
           <a:p>
             <a:pPr algn="ctr"/>
             <a:r>
-              <a:rPr lang="zh-CN" altLang="da-DK" sz="2400" smtClean="0">
+              <a:rPr lang="zh-CN" altLang="da-DK" sz="3200" smtClean="0">
                 <a:sym typeface="Arial" pitchFamily="34" charset="0"/>
               </a:rPr>
               <a:t>客户端注册时间</a:t>
             </a:r>
-            <a:endParaRPr lang="zh-CN" altLang="da-DK" sz="2400" smtClean="0">
+            <a:endParaRPr lang="zh-CN" altLang="da-DK" sz="3200" smtClean="0">
               <a:sym typeface="Arial" pitchFamily="34" charset="0"/>
             </a:endParaRPr>
           </a:p>
@@ -4125,7 +4125,7 @@
         </p:nvSpPr>
         <p:spPr>
           <a:xfrm>
-            <a:off x="4660776" y="3017165"/>
+            <a:off x="4647441" y="3017165"/>
             <a:ext cx="5864882" cy="921193"/>
           </a:xfrm>
           <a:prstGeom prst="rect">
@@ -4174,7 +4174,7 @@
         <p:spPr>
           <a:xfrm>
             <a:off x="1965960" y="4337050"/>
-            <a:ext cx="8892540" cy="1516380"/>
+            <a:ext cx="8892540" cy="1754505"/>
           </a:xfrm>
           <a:prstGeom prst="rect">
             <a:avLst/>
@@ -4192,55 +4192,55 @@
               </a:lnSpc>
             </a:pPr>
             <a:r>
-              <a:rPr lang="zh-CN" altLang="en-US" sz="2400" dirty="0" smtClean="0">
+              <a:rPr lang="zh-CN" altLang="en-US" sz="2800" dirty="0" smtClean="0">
                 <a:latin typeface="Arial" pitchFamily="34" charset="0"/>
                 <a:ea typeface="微软雅黑" pitchFamily="34" charset="-122"/>
               </a:rPr>
               <a:t>注册的目的：将客户端</a:t>
             </a:r>
             <a:r>
-              <a:rPr lang="en-US" altLang="zh-CN" sz="2400" dirty="0" smtClean="0">
+              <a:rPr lang="en-US" altLang="zh-CN" sz="2800" dirty="0" smtClean="0">
                 <a:latin typeface="Arial" pitchFamily="34" charset="0"/>
                 <a:ea typeface="微软雅黑" pitchFamily="34" charset="-122"/>
               </a:rPr>
               <a:t>appkey</a:t>
             </a:r>
             <a:r>
-              <a:rPr lang="zh-CN" altLang="en-US" sz="2400" dirty="0" smtClean="0">
+              <a:rPr lang="zh-CN" altLang="en-US" sz="2800" dirty="0" smtClean="0">
                 <a:latin typeface="Arial" pitchFamily="34" charset="0"/>
                 <a:ea typeface="微软雅黑" pitchFamily="34" charset="-122"/>
               </a:rPr>
               <a:t>，</a:t>
             </a:r>
             <a:r>
-              <a:rPr lang="en-US" altLang="zh-CN" sz="2400" dirty="0" smtClean="0">
+              <a:rPr lang="en-US" altLang="zh-CN" sz="2800" dirty="0" smtClean="0">
                 <a:latin typeface="Arial" pitchFamily="34" charset="0"/>
                 <a:ea typeface="微软雅黑" pitchFamily="34" charset="-122"/>
               </a:rPr>
               <a:t>appversion, appvercode, conntype,cuid</a:t>
             </a:r>
             <a:r>
-              <a:rPr lang="zh-CN" altLang="en-US" sz="2400" dirty="0" smtClean="0">
+              <a:rPr lang="zh-CN" altLang="en-US" sz="2800" dirty="0" smtClean="0">
                 <a:latin typeface="Arial" pitchFamily="34" charset="0"/>
                 <a:ea typeface="微软雅黑" pitchFamily="34" charset="-122"/>
               </a:rPr>
               <a:t>等设备信息发送给服务器，做客户端标识，目前注册统一采用</a:t>
             </a:r>
             <a:r>
-              <a:rPr lang="en-US" altLang="zh-CN" sz="2400" dirty="0" smtClean="0">
+              <a:rPr lang="en-US" altLang="zh-CN" sz="2800" dirty="0" smtClean="0">
                 <a:latin typeface="Arial" pitchFamily="34" charset="0"/>
                 <a:ea typeface="微软雅黑" pitchFamily="34" charset="-122"/>
               </a:rPr>
               <a:t>Http</a:t>
             </a:r>
             <a:r>
-              <a:rPr lang="zh-CN" altLang="en-US" sz="2400" dirty="0" smtClean="0">
+              <a:rPr lang="zh-CN" altLang="en-US" sz="2800" dirty="0" smtClean="0">
                 <a:latin typeface="Arial" pitchFamily="34" charset="0"/>
                 <a:ea typeface="微软雅黑" pitchFamily="34" charset="-122"/>
               </a:rPr>
               <a:t>请求</a:t>
             </a:r>
-            <a:endParaRPr lang="zh-CN" altLang="en-US" sz="2400" dirty="0" smtClean="0">
+            <a:endParaRPr lang="zh-CN" altLang="en-US" sz="2800" dirty="0" smtClean="0">
               <a:latin typeface="Arial" pitchFamily="34" charset="0"/>
               <a:ea typeface="微软雅黑" pitchFamily="34" charset="-122"/>
             </a:endParaRPr>
@@ -4712,7 +4712,7 @@
               </a:lnSpc>
             </a:pPr>
             <a:r>
-              <a:rPr lang="zh-CN" altLang="en-US" sz="2400" dirty="0">
+              <a:rPr lang="zh-CN" altLang="en-US" sz="3200" dirty="0">
                 <a:latin typeface="+mj-lt"/>
                 <a:ea typeface="+mj-ea"/>
                 <a:cs typeface="+mj-cs"/>
@@ -4720,7 +4720,7 @@
               </a:rPr>
               <a:t>长链接保活</a:t>
             </a:r>
-            <a:endParaRPr lang="zh-CN" altLang="en-US" sz="2400" dirty="0">
+            <a:endParaRPr lang="zh-CN" altLang="en-US" sz="3200" dirty="0">
               <a:latin typeface="+mj-lt"/>
               <a:ea typeface="+mj-ea"/>
               <a:cs typeface="+mj-cs"/>
@@ -5629,6 +5629,28 @@
       <p:grpSpPr/>
       <p:sp>
         <p:nvSpPr>
+          <p:cNvPr id="4" name="内容占位符 3"/>
+          <p:cNvSpPr>
+            <a:spLocks noGrp="1"/>
+          </p:cNvSpPr>
+          <p:nvPr>
+            <p:ph sz="quarter" idx="13"/>
+          </p:nvPr>
+        </p:nvSpPr>
+        <p:spPr/>
+        <p:txBody>
+          <a:bodyPr/>
+          <a:p>
+            <a:r>
+              <a:rPr lang="en-US" altLang="zh-CN"/>
+              <a:t> </a:t>
+            </a:r>
+            <a:endParaRPr lang="en-US" altLang="zh-CN"/>
+          </a:p>
+        </p:txBody>
+      </p:sp>
+      <p:sp>
+        <p:nvSpPr>
           <p:cNvPr id="2" name="文本框 1"/>
           <p:cNvSpPr txBox="1"/>
           <p:nvPr/>
@@ -5636,7 +5658,7 @@
         <p:spPr>
           <a:xfrm>
             <a:off x="733425" y="2079625"/>
-            <a:ext cx="11062335" cy="2269490"/>
+            <a:ext cx="11062335" cy="2308860"/>
           </a:xfrm>
           <a:prstGeom prst="rect">
             <a:avLst/>
@@ -5654,20 +5676,20 @@
               </a:lnSpc>
             </a:pPr>
             <a:r>
-              <a:rPr lang="zh-CN" altLang="en-US" sz="3200" dirty="0" smtClean="0">
+              <a:rPr lang="zh-CN" altLang="en-US" sz="2800" dirty="0" smtClean="0">
                 <a:latin typeface="Arial" pitchFamily="34" charset="0"/>
                 <a:ea typeface="微软雅黑" pitchFamily="34" charset="-122"/>
               </a:rPr>
               <a:t>活跃检测最小时间间隔是</a:t>
             </a:r>
             <a:r>
-              <a:rPr lang="en-US" altLang="zh-CN" sz="3200" dirty="0" smtClean="0">
+              <a:rPr lang="en-US" altLang="zh-CN" sz="2800" dirty="0" smtClean="0">
                 <a:latin typeface="Arial" pitchFamily="34" charset="0"/>
                 <a:ea typeface="微软雅黑" pitchFamily="34" charset="-122"/>
               </a:rPr>
               <a:t>1min</a:t>
             </a:r>
-            <a:endParaRPr lang="en-US" altLang="zh-CN" sz="3200" dirty="0" smtClean="0">
+            <a:endParaRPr lang="en-US" altLang="zh-CN" sz="2800" dirty="0" smtClean="0">
               <a:latin typeface="Arial" pitchFamily="34" charset="0"/>
               <a:ea typeface="微软雅黑" pitchFamily="34" charset="-122"/>
             </a:endParaRPr>
@@ -5679,41 +5701,41 @@
               </a:lnSpc>
             </a:pPr>
             <a:r>
-              <a:rPr lang="zh-CN" altLang="en-US" sz="3200" dirty="0" smtClean="0">
+              <a:rPr lang="zh-CN" altLang="en-US" sz="2800" dirty="0" smtClean="0">
                 <a:latin typeface="Arial" pitchFamily="34" charset="0"/>
                 <a:ea typeface="微软雅黑" pitchFamily="34" charset="-122"/>
               </a:rPr>
               <a:t>如果无回应</a:t>
             </a:r>
             <a:r>
-              <a:rPr lang="en-US" altLang="zh-CN" sz="3200" dirty="0" smtClean="0">
+              <a:rPr lang="en-US" altLang="zh-CN" sz="2800" dirty="0" smtClean="0">
                 <a:latin typeface="Arial" pitchFamily="34" charset="0"/>
                 <a:ea typeface="微软雅黑" pitchFamily="34" charset="-122"/>
               </a:rPr>
               <a:t>ping</a:t>
             </a:r>
             <a:r>
-              <a:rPr lang="zh-CN" altLang="en-US" sz="3200" dirty="0" smtClean="0">
+              <a:rPr lang="zh-CN" altLang="en-US" sz="2800" dirty="0" smtClean="0">
                 <a:latin typeface="Arial" pitchFamily="34" charset="0"/>
                 <a:ea typeface="微软雅黑" pitchFamily="34" charset="-122"/>
               </a:rPr>
               <a:t>的次数超过</a:t>
             </a:r>
             <a:r>
-              <a:rPr lang="en-US" altLang="zh-CN" sz="3200" dirty="0" smtClean="0">
+              <a:rPr lang="en-US" altLang="zh-CN" sz="2800" dirty="0" smtClean="0">
                 <a:latin typeface="Arial" pitchFamily="34" charset="0"/>
                 <a:ea typeface="微软雅黑" pitchFamily="34" charset="-122"/>
               </a:rPr>
               <a:t>3</a:t>
             </a:r>
             <a:r>
-              <a:rPr lang="zh-CN" altLang="en-US" sz="3200" dirty="0" smtClean="0">
+              <a:rPr lang="zh-CN" altLang="en-US" sz="2800" dirty="0" smtClean="0">
                 <a:latin typeface="Arial" pitchFamily="34" charset="0"/>
                 <a:ea typeface="微软雅黑" pitchFamily="34" charset="-122"/>
               </a:rPr>
               <a:t>次或者处于连接状态但超过一小时无活跃则断掉重新连接</a:t>
             </a:r>
-            <a:endParaRPr lang="zh-CN" altLang="en-US" sz="3200" dirty="0" smtClean="0">
+            <a:endParaRPr lang="zh-CN" altLang="en-US" sz="2800" dirty="0" smtClean="0">
               <a:latin typeface="Arial" pitchFamily="34" charset="0"/>
               <a:ea typeface="微软雅黑" pitchFamily="34" charset="-122"/>
             </a:endParaRPr>
@@ -5724,7 +5746,7 @@
                 <a:spcPct val="130000"/>
               </a:lnSpc>
             </a:pPr>
-            <a:endParaRPr lang="en-US" altLang="zh-CN" sz="1400" dirty="0" smtClean="0">
+            <a:endParaRPr lang="en-US" altLang="zh-CN" sz="2800" dirty="0" smtClean="0">
               <a:latin typeface="Arial" pitchFamily="34" charset="0"/>
               <a:ea typeface="微软雅黑" pitchFamily="34" charset="-122"/>
             </a:endParaRPr>
@@ -5740,7 +5762,7 @@
         <p:spPr>
           <a:xfrm>
             <a:off x="4635500" y="831850"/>
-            <a:ext cx="1960880" cy="645795"/>
+            <a:ext cx="2214880" cy="725170"/>
           </a:xfrm>
           <a:prstGeom prst="rect">
             <a:avLst/>
@@ -5758,13 +5780,13 @@
               </a:lnSpc>
             </a:pPr>
             <a:r>
-              <a:rPr lang="zh-CN" altLang="en-US" sz="2800" dirty="0" smtClean="0">
+              <a:rPr lang="zh-CN" altLang="en-US" sz="3200" dirty="0" smtClean="0">
                 <a:latin typeface="Arial" pitchFamily="34" charset="0"/>
                 <a:ea typeface="微软雅黑" pitchFamily="34" charset="-122"/>
               </a:rPr>
               <a:t>一些小细节</a:t>
             </a:r>
-            <a:endParaRPr lang="zh-CN" altLang="en-US" sz="2800" dirty="0" smtClean="0">
+            <a:endParaRPr lang="zh-CN" altLang="en-US" sz="3200" dirty="0" smtClean="0">
               <a:latin typeface="Arial" pitchFamily="34" charset="0"/>
               <a:ea typeface="微软雅黑" pitchFamily="34" charset="-122"/>
             </a:endParaRPr>
@@ -15232,6 +15254,28 @@
       <p:grpSpPr/>
       <p:sp>
         <p:nvSpPr>
+          <p:cNvPr id="2" name="内容占位符 1"/>
+          <p:cNvSpPr>
+            <a:spLocks noGrp="1"/>
+          </p:cNvSpPr>
+          <p:nvPr>
+            <p:ph sz="quarter" idx="13"/>
+          </p:nvPr>
+        </p:nvSpPr>
+        <p:spPr/>
+        <p:txBody>
+          <a:bodyPr/>
+          <a:p>
+            <a:r>
+              <a:rPr lang="en-US" altLang="zh-CN"/>
+              <a:t> </a:t>
+            </a:r>
+            <a:endParaRPr lang="en-US" altLang="zh-CN"/>
+          </a:p>
+        </p:txBody>
+      </p:sp>
+      <p:sp>
+        <p:nvSpPr>
           <p:cNvPr id="3" name="矩形 2"/>
           <p:cNvSpPr/>
           <p:nvPr>
@@ -15339,7 +15383,7 @@
         </p:spPr>
         <p:txBody>
           <a:bodyPr rot="0" spcFirstLastPara="0" vertOverflow="overflow" horzOverflow="overflow" vert="horz" wrap="square" lIns="0" tIns="0" rIns="0" bIns="0" numCol="1" spcCol="0" rtlCol="0" fromWordArt="0" anchor="ctr" anchorCtr="0" forceAA="0" compatLnSpc="1">
-            <a:normAutofit fontScale="60000"/>
+            <a:normAutofit fontScale="80000"/>
           </a:bodyPr>
           <a:p>
             <a:pPr algn="ctr"/>
@@ -15418,8 +15462,8 @@
         </p:nvSpPr>
         <p:spPr>
           <a:xfrm>
-            <a:off x="2197075" y="2876038"/>
-            <a:ext cx="1848603" cy="2732453"/>
+            <a:off x="2197100" y="2875915"/>
+            <a:ext cx="1848485" cy="1374775"/>
           </a:xfrm>
           <a:prstGeom prst="rect">
             <a:avLst/>
@@ -15560,7 +15604,7 @@
         </p:spPr>
         <p:txBody>
           <a:bodyPr rot="0" spcFirstLastPara="0" vertOverflow="overflow" horzOverflow="overflow" vert="horz" wrap="square" lIns="0" tIns="0" rIns="0" bIns="0" numCol="1" spcCol="0" rtlCol="0" fromWordArt="0" anchor="ctr" anchorCtr="0" forceAA="0" compatLnSpc="1">
-            <a:normAutofit fontScale="70000"/>
+            <a:normAutofit fontScale="90000"/>
           </a:bodyPr>
           <a:p>
             <a:pPr algn="ctr"/>
@@ -15639,8 +15683,8 @@
         </p:nvSpPr>
         <p:spPr>
           <a:xfrm>
-            <a:off x="4451953" y="2876038"/>
-            <a:ext cx="1848603" cy="2732453"/>
+            <a:off x="4451985" y="2875915"/>
+            <a:ext cx="2442210" cy="1994535"/>
           </a:xfrm>
           <a:prstGeom prst="rect">
             <a:avLst/>
@@ -15781,7 +15825,7 @@
         </p:spPr>
         <p:txBody>
           <a:bodyPr rot="0" spcFirstLastPara="0" vertOverflow="overflow" horzOverflow="overflow" vert="horz" wrap="square" lIns="0" tIns="0" rIns="0" bIns="0" numCol="1" spcCol="0" rtlCol="0" fromWordArt="0" anchor="ctr" anchorCtr="0" forceAA="0" compatLnSpc="1">
-            <a:normAutofit fontScale="60000"/>
+            <a:normAutofit fontScale="80000"/>
           </a:bodyPr>
           <a:p>
             <a:pPr algn="ctr"/>
@@ -15860,8 +15904,8 @@
         </p:nvSpPr>
         <p:spPr>
           <a:xfrm>
-            <a:off x="6707149" y="2876507"/>
-            <a:ext cx="1848416" cy="2669235"/>
+            <a:off x="6706870" y="2876550"/>
+            <a:ext cx="1980565" cy="1641475"/>
           </a:xfrm>
           <a:prstGeom prst="rect">
             <a:avLst/>
@@ -15870,7 +15914,7 @@
         </p:spPr>
         <p:txBody>
           <a:bodyPr wrap="square" rtlCol="0">
-            <a:normAutofit fontScale="90000" lnSpcReduction="20000"/>
+            <a:normAutofit/>
           </a:bodyPr>
           <a:p>
             <a:pPr marL="285750" indent="-285750">
@@ -15991,7 +16035,7 @@
         </p:spPr>
         <p:txBody>
           <a:bodyPr rot="0" spcFirstLastPara="0" vertOverflow="overflow" horzOverflow="overflow" vert="horz" wrap="square" lIns="0" tIns="0" rIns="0" bIns="0" numCol="1" spcCol="0" rtlCol="0" fromWordArt="0" anchor="ctr" anchorCtr="0" forceAA="0" compatLnSpc="1">
-            <a:normAutofit fontScale="70000"/>
+            <a:normAutofit fontScale="80000"/>
           </a:bodyPr>
           <a:p>
             <a:pPr algn="ctr"/>
@@ -16070,8 +16114,8 @@
         </p:nvSpPr>
         <p:spPr>
           <a:xfrm>
-            <a:off x="8947739" y="2876038"/>
-            <a:ext cx="1848603" cy="2732453"/>
+            <a:off x="8947785" y="2875915"/>
+            <a:ext cx="1979930" cy="1703705"/>
           </a:xfrm>
           <a:prstGeom prst="rect">
             <a:avLst/>
@@ -16212,20 +16256,15 @@
       <p:grpSpPr/>
       <p:sp>
         <p:nvSpPr>
-          <p:cNvPr id="2" name="标题 1"/>
+          <p:cNvPr id="2" name="内容占位符 1"/>
           <p:cNvSpPr>
             <a:spLocks noGrp="1"/>
           </p:cNvSpPr>
           <p:nvPr>
-            <p:ph type="title" idx="4294967295"/>
+            <p:ph sz="quarter" idx="13"/>
           </p:nvPr>
         </p:nvSpPr>
-        <p:spPr>
-          <a:xfrm>
-            <a:off x="4535805" y="671830"/>
-            <a:ext cx="7656195" cy="610235"/>
-          </a:xfrm>
-        </p:spPr>
+        <p:spPr/>
         <p:txBody>
           <a:bodyPr/>
           <a:p>
@@ -16375,23 +16414,18 @@
       <p:grpSpPr/>
       <p:sp>
         <p:nvSpPr>
-          <p:cNvPr id="2" name="标题 1"/>
+          <p:cNvPr id="2" name="内容占位符 1"/>
           <p:cNvSpPr>
             <a:spLocks noGrp="1"/>
           </p:cNvSpPr>
           <p:nvPr>
-            <p:ph type="title" idx="4294967295"/>
+            <p:ph sz="quarter" idx="13"/>
           </p:nvPr>
         </p:nvSpPr>
-        <p:spPr>
-          <a:xfrm>
-            <a:off x="1428750" y="1094105"/>
-            <a:ext cx="10308590" cy="3654425"/>
-          </a:xfrm>
-        </p:spPr>
+        <p:spPr/>
         <p:txBody>
           <a:bodyPr>
-            <a:normAutofit fontScale="90000"/>
+            <a:normAutofit/>
           </a:bodyPr>
           <a:p>
             <a:pPr algn="l">
